--- a/笔记/绘图ppt.pptx
+++ b/笔记/绘图ppt.pptx
@@ -15,6 +15,7 @@
     <p:sldId id="263" r:id="rId9"/>
     <p:sldId id="264" r:id="rId10"/>
     <p:sldId id="265" r:id="rId11"/>
+    <p:sldId id="266" r:id="rId12"/>
   </p:sldIdLst>
   <p:sldSz cx="12192000" cy="6858000"/>
   <p:notesSz cx="6858000" cy="9144000"/>
@@ -268,7 +269,7 @@
           <a:p>
             <a:fld id="{587EC884-F26C-482B-AAD2-6121BE997FD7}" type="datetimeFigureOut">
               <a:rPr lang="zh-CN" altLang="en-US" smtClean="0"/>
-              <a:t>2024/10/27</a:t>
+              <a:t>2024/11/16</a:t>
             </a:fld>
             <a:endParaRPr lang="zh-CN" altLang="en-US"/>
           </a:p>
@@ -466,7 +467,7 @@
           <a:p>
             <a:fld id="{587EC884-F26C-482B-AAD2-6121BE997FD7}" type="datetimeFigureOut">
               <a:rPr lang="zh-CN" altLang="en-US" smtClean="0"/>
-              <a:t>2024/10/27</a:t>
+              <a:t>2024/11/16</a:t>
             </a:fld>
             <a:endParaRPr lang="zh-CN" altLang="en-US"/>
           </a:p>
@@ -674,7 +675,7 @@
           <a:p>
             <a:fld id="{587EC884-F26C-482B-AAD2-6121BE997FD7}" type="datetimeFigureOut">
               <a:rPr lang="zh-CN" altLang="en-US" smtClean="0"/>
-              <a:t>2024/10/27</a:t>
+              <a:t>2024/11/16</a:t>
             </a:fld>
             <a:endParaRPr lang="zh-CN" altLang="en-US"/>
           </a:p>
@@ -872,7 +873,7 @@
           <a:p>
             <a:fld id="{587EC884-F26C-482B-AAD2-6121BE997FD7}" type="datetimeFigureOut">
               <a:rPr lang="zh-CN" altLang="en-US" smtClean="0"/>
-              <a:t>2024/10/27</a:t>
+              <a:t>2024/11/16</a:t>
             </a:fld>
             <a:endParaRPr lang="zh-CN" altLang="en-US"/>
           </a:p>
@@ -1147,7 +1148,7 @@
           <a:p>
             <a:fld id="{587EC884-F26C-482B-AAD2-6121BE997FD7}" type="datetimeFigureOut">
               <a:rPr lang="zh-CN" altLang="en-US" smtClean="0"/>
-              <a:t>2024/10/27</a:t>
+              <a:t>2024/11/16</a:t>
             </a:fld>
             <a:endParaRPr lang="zh-CN" altLang="en-US"/>
           </a:p>
@@ -1412,7 +1413,7 @@
           <a:p>
             <a:fld id="{587EC884-F26C-482B-AAD2-6121BE997FD7}" type="datetimeFigureOut">
               <a:rPr lang="zh-CN" altLang="en-US" smtClean="0"/>
-              <a:t>2024/10/27</a:t>
+              <a:t>2024/11/16</a:t>
             </a:fld>
             <a:endParaRPr lang="zh-CN" altLang="en-US"/>
           </a:p>
@@ -1824,7 +1825,7 @@
           <a:p>
             <a:fld id="{587EC884-F26C-482B-AAD2-6121BE997FD7}" type="datetimeFigureOut">
               <a:rPr lang="zh-CN" altLang="en-US" smtClean="0"/>
-              <a:t>2024/10/27</a:t>
+              <a:t>2024/11/16</a:t>
             </a:fld>
             <a:endParaRPr lang="zh-CN" altLang="en-US"/>
           </a:p>
@@ -1965,7 +1966,7 @@
           <a:p>
             <a:fld id="{587EC884-F26C-482B-AAD2-6121BE997FD7}" type="datetimeFigureOut">
               <a:rPr lang="zh-CN" altLang="en-US" smtClean="0"/>
-              <a:t>2024/10/27</a:t>
+              <a:t>2024/11/16</a:t>
             </a:fld>
             <a:endParaRPr lang="zh-CN" altLang="en-US"/>
           </a:p>
@@ -2078,7 +2079,7 @@
           <a:p>
             <a:fld id="{587EC884-F26C-482B-AAD2-6121BE997FD7}" type="datetimeFigureOut">
               <a:rPr lang="zh-CN" altLang="en-US" smtClean="0"/>
-              <a:t>2024/10/27</a:t>
+              <a:t>2024/11/16</a:t>
             </a:fld>
             <a:endParaRPr lang="zh-CN" altLang="en-US"/>
           </a:p>
@@ -2389,7 +2390,7 @@
           <a:p>
             <a:fld id="{587EC884-F26C-482B-AAD2-6121BE997FD7}" type="datetimeFigureOut">
               <a:rPr lang="zh-CN" altLang="en-US" smtClean="0"/>
-              <a:t>2024/10/27</a:t>
+              <a:t>2024/11/16</a:t>
             </a:fld>
             <a:endParaRPr lang="zh-CN" altLang="en-US"/>
           </a:p>
@@ -2677,7 +2678,7 @@
           <a:p>
             <a:fld id="{587EC884-F26C-482B-AAD2-6121BE997FD7}" type="datetimeFigureOut">
               <a:rPr lang="zh-CN" altLang="en-US" smtClean="0"/>
-              <a:t>2024/10/27</a:t>
+              <a:t>2024/11/16</a:t>
             </a:fld>
             <a:endParaRPr lang="zh-CN" altLang="en-US"/>
           </a:p>
@@ -2918,7 +2919,7 @@
           <a:p>
             <a:fld id="{587EC884-F26C-482B-AAD2-6121BE997FD7}" type="datetimeFigureOut">
               <a:rPr lang="zh-CN" altLang="en-US" smtClean="0"/>
-              <a:t>2024/10/27</a:t>
+              <a:t>2024/11/16</a:t>
             </a:fld>
             <a:endParaRPr lang="zh-CN" altLang="en-US"/>
           </a:p>
@@ -5516,6 +5517,616 @@
 </p:sld>
 </file>
 
+<file path=ppt/slides/slide11.xml><?xml version="1.0" encoding="utf-8"?>
+<p:sld xmlns:a="http://schemas.openxmlformats.org/drawingml/2006/main" xmlns:r="http://schemas.openxmlformats.org/officeDocument/2006/relationships" xmlns:p="http://schemas.openxmlformats.org/presentationml/2006/main">
+  <p:cSld>
+    <p:spTree>
+      <p:nvGrpSpPr>
+        <p:cNvPr id="1" name=""/>
+        <p:cNvGrpSpPr/>
+        <p:nvPr/>
+      </p:nvGrpSpPr>
+      <p:grpSpPr>
+        <a:xfrm>
+          <a:off x="0" y="0"/>
+          <a:ext cx="0" cy="0"/>
+          <a:chOff x="0" y="0"/>
+          <a:chExt cx="0" cy="0"/>
+        </a:xfrm>
+      </p:grpSpPr>
+      <p:pic>
+        <p:nvPicPr>
+          <p:cNvPr id="4" name="图片 3">
+            <a:extLst>
+              <a:ext uri="{FF2B5EF4-FFF2-40B4-BE49-F238E27FC236}">
+                <a16:creationId xmlns:a16="http://schemas.microsoft.com/office/drawing/2014/main" id="{C9F0BF10-93AF-B791-2DAC-DE45D1752D5C}"/>
+              </a:ext>
+            </a:extLst>
+          </p:cNvPr>
+          <p:cNvPicPr>
+            <a:picLocks noChangeAspect="1"/>
+          </p:cNvPicPr>
+          <p:nvPr/>
+        </p:nvPicPr>
+        <p:blipFill>
+          <a:blip r:embed="rId2"/>
+          <a:stretch>
+            <a:fillRect/>
+          </a:stretch>
+        </p:blipFill>
+        <p:spPr>
+          <a:xfrm>
+            <a:off x="0" y="2308876"/>
+            <a:ext cx="7772400" cy="2492495"/>
+          </a:xfrm>
+          <a:prstGeom prst="rect">
+            <a:avLst/>
+          </a:prstGeom>
+        </p:spPr>
+      </p:pic>
+      <p:pic>
+        <p:nvPicPr>
+          <p:cNvPr id="5" name="图片 4">
+            <a:extLst>
+              <a:ext uri="{FF2B5EF4-FFF2-40B4-BE49-F238E27FC236}">
+                <a16:creationId xmlns:a16="http://schemas.microsoft.com/office/drawing/2014/main" id="{CCEB7592-82C2-6B06-52DB-A004B457D5ED}"/>
+              </a:ext>
+            </a:extLst>
+          </p:cNvPr>
+          <p:cNvPicPr>
+            <a:picLocks noChangeAspect="1"/>
+          </p:cNvPicPr>
+          <p:nvPr/>
+        </p:nvPicPr>
+        <p:blipFill>
+          <a:blip r:embed="rId3"/>
+          <a:stretch>
+            <a:fillRect/>
+          </a:stretch>
+        </p:blipFill>
+        <p:spPr>
+          <a:xfrm>
+            <a:off x="5184227" y="346233"/>
+            <a:ext cx="7772400" cy="3208890"/>
+          </a:xfrm>
+          <a:prstGeom prst="rect">
+            <a:avLst/>
+          </a:prstGeom>
+        </p:spPr>
+      </p:pic>
+      <p:cxnSp>
+        <p:nvCxnSpPr>
+          <p:cNvPr id="8" name="直线箭头连接符 7">
+            <a:extLst>
+              <a:ext uri="{FF2B5EF4-FFF2-40B4-BE49-F238E27FC236}">
+                <a16:creationId xmlns:a16="http://schemas.microsoft.com/office/drawing/2014/main" id="{802759A4-5652-0538-0FFF-2E7F14F7D4E6}"/>
+              </a:ext>
+            </a:extLst>
+          </p:cNvPr>
+          <p:cNvCxnSpPr>
+            <a:cxnSpLocks/>
+          </p:cNvCxnSpPr>
+          <p:nvPr/>
+        </p:nvCxnSpPr>
+        <p:spPr>
+          <a:xfrm flipV="1">
+            <a:off x="2191109" y="2753710"/>
+            <a:ext cx="4766739" cy="1421475"/>
+          </a:xfrm>
+          <a:prstGeom prst="straightConnector1">
+            <a:avLst/>
+          </a:prstGeom>
+          <a:ln w="57150">
+            <a:solidFill>
+              <a:srgbClr val="FF0000"/>
+            </a:solidFill>
+            <a:tailEnd type="triangle"/>
+          </a:ln>
+        </p:spPr>
+        <p:style>
+          <a:lnRef idx="1">
+            <a:schemeClr val="accent1"/>
+          </a:lnRef>
+          <a:fillRef idx="0">
+            <a:schemeClr val="accent1"/>
+          </a:fillRef>
+          <a:effectRef idx="0">
+            <a:schemeClr val="accent1"/>
+          </a:effectRef>
+          <a:fontRef idx="minor">
+            <a:schemeClr val="tx1"/>
+          </a:fontRef>
+        </p:style>
+      </p:cxnSp>
+      <p:sp>
+        <p:nvSpPr>
+          <p:cNvPr id="10" name="文本框 9">
+            <a:extLst>
+              <a:ext uri="{FF2B5EF4-FFF2-40B4-BE49-F238E27FC236}">
+                <a16:creationId xmlns:a16="http://schemas.microsoft.com/office/drawing/2014/main" id="{60F7319B-33ED-9071-FA1B-2F644B6CB389}"/>
+              </a:ext>
+            </a:extLst>
+          </p:cNvPr>
+          <p:cNvSpPr txBox="1"/>
+          <p:nvPr/>
+        </p:nvSpPr>
+        <p:spPr>
+          <a:xfrm>
+            <a:off x="1310171" y="4984595"/>
+            <a:ext cx="9258223" cy="523220"/>
+          </a:xfrm>
+          <a:prstGeom prst="rect">
+            <a:avLst/>
+          </a:prstGeom>
+          <a:noFill/>
+        </p:spPr>
+        <p:txBody>
+          <a:bodyPr wrap="square">
+            <a:spAutoFit/>
+          </a:bodyPr>
+          <a:lstStyle/>
+          <a:p>
+            <a:r>
+              <a:rPr lang="en" altLang="zh-CN" sz="1400" b="0" i="0" u="none" strike="noStrike" dirty="0">
+                <a:solidFill>
+                  <a:srgbClr val="00B0F0"/>
+                </a:solidFill>
+                <a:effectLst/>
+                <a:latin typeface="Nunito" panose="020F0502020204030204" pitchFamily="34" charset="0"/>
+              </a:rPr>
+              <a:t>name=”</a:t>
+            </a:r>
+            <a:r>
+              <a:rPr lang="en" altLang="zh-CN" sz="1400" b="0" i="0" u="none" strike="noStrike" dirty="0" err="1">
+                <a:solidFill>
+                  <a:srgbClr val="00B0F0"/>
+                </a:solidFill>
+                <a:effectLst/>
+                <a:latin typeface="Nunito" panose="020F0502020204030204" pitchFamily="34" charset="0"/>
+              </a:rPr>
+              <a:t>bookDao</a:t>
+            </a:r>
+            <a:r>
+              <a:rPr lang="en" altLang="zh-CN" sz="1400" b="0" i="0" u="none" strike="noStrike" dirty="0">
+                <a:solidFill>
+                  <a:srgbClr val="00B0F0"/>
+                </a:solidFill>
+                <a:effectLst/>
+                <a:latin typeface="Nunito" panose="020F0502020204030204" pitchFamily="34" charset="0"/>
+              </a:rPr>
+              <a:t>”</a:t>
+            </a:r>
+            <a:r>
+              <a:rPr lang="zh-CN" altLang="en-US" sz="1400" b="0" i="0" u="none" strike="noStrike" dirty="0">
+                <a:solidFill>
+                  <a:srgbClr val="00B0F0"/>
+                </a:solidFill>
+                <a:effectLst/>
+                <a:latin typeface="Nunito" panose="020F0502020204030204" pitchFamily="34" charset="0"/>
+              </a:rPr>
+              <a:t>中</a:t>
+            </a:r>
+            <a:r>
+              <a:rPr lang="en" altLang="zh-CN" sz="1400" b="0" i="0" u="none" strike="noStrike" dirty="0" err="1">
+                <a:solidFill>
+                  <a:srgbClr val="00B0F0"/>
+                </a:solidFill>
+                <a:effectLst/>
+                <a:latin typeface="Nunito" panose="020F0502020204030204" pitchFamily="34" charset="0"/>
+              </a:rPr>
+              <a:t>bookDao</a:t>
+            </a:r>
+            <a:r>
+              <a:rPr lang="zh-CN" altLang="en-US" sz="1400" b="0" i="0" u="none" strike="noStrike" dirty="0">
+                <a:solidFill>
+                  <a:srgbClr val="00B0F0"/>
+                </a:solidFill>
+                <a:effectLst/>
+                <a:latin typeface="Nunito" panose="020F0502020204030204" pitchFamily="34" charset="0"/>
+              </a:rPr>
+              <a:t>的作用是让</a:t>
+            </a:r>
+            <a:r>
+              <a:rPr lang="en" altLang="zh-CN" sz="1400" b="0" i="0" u="none" strike="noStrike" dirty="0">
+                <a:solidFill>
+                  <a:srgbClr val="00B0F0"/>
+                </a:solidFill>
+                <a:effectLst/>
+                <a:latin typeface="Nunito" panose="020F0502020204030204" pitchFamily="34" charset="0"/>
+              </a:rPr>
+              <a:t>Spring</a:t>
+            </a:r>
+            <a:r>
+              <a:rPr lang="zh-CN" altLang="en-US" sz="1400" b="0" i="0" u="none" strike="noStrike" dirty="0">
+                <a:solidFill>
+                  <a:srgbClr val="00B0F0"/>
+                </a:solidFill>
+                <a:effectLst/>
+                <a:latin typeface="Nunito" panose="020F0502020204030204" pitchFamily="34" charset="0"/>
+              </a:rPr>
+              <a:t>的</a:t>
+            </a:r>
+            <a:r>
+              <a:rPr lang="en" altLang="zh-CN" sz="1400" b="0" i="0" u="none" strike="noStrike" dirty="0">
+                <a:solidFill>
+                  <a:srgbClr val="00B0F0"/>
+                </a:solidFill>
+                <a:effectLst/>
+                <a:latin typeface="Nunito" panose="020F0502020204030204" pitchFamily="34" charset="0"/>
+              </a:rPr>
+              <a:t>IOC</a:t>
+            </a:r>
+            <a:r>
+              <a:rPr lang="zh-CN" altLang="en-US" sz="1400" b="0" i="0" u="none" strike="noStrike" dirty="0">
+                <a:solidFill>
+                  <a:srgbClr val="00B0F0"/>
+                </a:solidFill>
+                <a:effectLst/>
+                <a:latin typeface="Nunito" panose="020F0502020204030204" pitchFamily="34" charset="0"/>
+              </a:rPr>
+              <a:t>容器在获取到名称后，将首字母大写，前面加</a:t>
+            </a:r>
+            <a:r>
+              <a:rPr lang="en" altLang="zh-CN" sz="1400" b="0" i="0" u="none" strike="noStrike" dirty="0">
+                <a:solidFill>
+                  <a:srgbClr val="00B0F0"/>
+                </a:solidFill>
+                <a:effectLst/>
+                <a:latin typeface="Nunito" panose="020F0502020204030204" pitchFamily="34" charset="0"/>
+              </a:rPr>
+              <a:t>set</a:t>
+            </a:r>
+            <a:r>
+              <a:rPr lang="zh-CN" altLang="en-US" sz="1400" b="0" i="0" u="none" strike="noStrike" dirty="0">
+                <a:solidFill>
+                  <a:srgbClr val="00B0F0"/>
+                </a:solidFill>
+                <a:effectLst/>
+                <a:latin typeface="Nunito" panose="020F0502020204030204" pitchFamily="34" charset="0"/>
+              </a:rPr>
+              <a:t>找对应的</a:t>
+            </a:r>
+            <a:r>
+              <a:rPr lang="en" altLang="zh-CN" sz="1400" b="0" i="0" u="none" strike="noStrike" dirty="0" err="1">
+                <a:solidFill>
+                  <a:srgbClr val="00B0F0"/>
+                </a:solidFill>
+                <a:effectLst/>
+                <a:latin typeface="Nunito" panose="020F0502020204030204" pitchFamily="34" charset="0"/>
+              </a:rPr>
+              <a:t>setBookDao</a:t>
+            </a:r>
+            <a:r>
+              <a:rPr lang="en" altLang="zh-CN" sz="1400" b="0" i="0" u="none" strike="noStrike" dirty="0">
+                <a:solidFill>
+                  <a:srgbClr val="00B0F0"/>
+                </a:solidFill>
+                <a:effectLst/>
+                <a:latin typeface="Nunito" panose="020F0502020204030204" pitchFamily="34" charset="0"/>
+              </a:rPr>
+              <a:t>()</a:t>
+            </a:r>
+            <a:r>
+              <a:rPr lang="zh-CN" altLang="en-US" sz="1400" b="0" i="0" u="none" strike="noStrike" dirty="0">
+                <a:solidFill>
+                  <a:srgbClr val="00B0F0"/>
+                </a:solidFill>
+                <a:effectLst/>
+                <a:latin typeface="Nunito" panose="020F0502020204030204" pitchFamily="34" charset="0"/>
+              </a:rPr>
+              <a:t>方法进行对象注入</a:t>
+            </a:r>
+            <a:endParaRPr lang="zh-CN" altLang="en-US" sz="1400" dirty="0">
+              <a:solidFill>
+                <a:srgbClr val="00B0F0"/>
+              </a:solidFill>
+              <a:latin typeface="宋体" panose="02010600030101010101" pitchFamily="2" charset="-122"/>
+              <a:ea typeface="宋体" panose="02010600030101010101" pitchFamily="2" charset="-122"/>
+              <a:cs typeface="Times New Roman" panose="02020603050405020304" pitchFamily="18" charset="0"/>
+            </a:endParaRPr>
+          </a:p>
+        </p:txBody>
+      </p:sp>
+      <p:cxnSp>
+        <p:nvCxnSpPr>
+          <p:cNvPr id="11" name="直线箭头连接符 10">
+            <a:extLst>
+              <a:ext uri="{FF2B5EF4-FFF2-40B4-BE49-F238E27FC236}">
+                <a16:creationId xmlns:a16="http://schemas.microsoft.com/office/drawing/2014/main" id="{FDCEB948-E974-3A75-B0A7-2B5EDD997BEF}"/>
+              </a:ext>
+            </a:extLst>
+          </p:cNvPr>
+          <p:cNvCxnSpPr>
+            <a:cxnSpLocks/>
+          </p:cNvCxnSpPr>
+          <p:nvPr/>
+        </p:nvCxnSpPr>
+        <p:spPr>
+          <a:xfrm flipH="1" flipV="1">
+            <a:off x="1690777" y="3632260"/>
+            <a:ext cx="1699404" cy="542925"/>
+          </a:xfrm>
+          <a:prstGeom prst="straightConnector1">
+            <a:avLst/>
+          </a:prstGeom>
+          <a:ln w="57150">
+            <a:solidFill>
+              <a:schemeClr val="accent4">
+                <a:lumMod val="60000"/>
+                <a:lumOff val="40000"/>
+              </a:schemeClr>
+            </a:solidFill>
+            <a:tailEnd type="triangle"/>
+          </a:ln>
+        </p:spPr>
+        <p:style>
+          <a:lnRef idx="1">
+            <a:schemeClr val="accent1"/>
+          </a:lnRef>
+          <a:fillRef idx="0">
+            <a:schemeClr val="accent1"/>
+          </a:fillRef>
+          <a:effectRef idx="0">
+            <a:schemeClr val="accent1"/>
+          </a:effectRef>
+          <a:fontRef idx="minor">
+            <a:schemeClr val="tx1"/>
+          </a:fontRef>
+        </p:style>
+      </p:cxnSp>
+      <p:cxnSp>
+        <p:nvCxnSpPr>
+          <p:cNvPr id="14" name="直线箭头连接符 13">
+            <a:extLst>
+              <a:ext uri="{FF2B5EF4-FFF2-40B4-BE49-F238E27FC236}">
+                <a16:creationId xmlns:a16="http://schemas.microsoft.com/office/drawing/2014/main" id="{C55D76DD-AF81-2BEB-3A54-B190DBBC1BF7}"/>
+              </a:ext>
+            </a:extLst>
+          </p:cNvPr>
+          <p:cNvCxnSpPr>
+            <a:cxnSpLocks/>
+          </p:cNvCxnSpPr>
+          <p:nvPr/>
+        </p:nvCxnSpPr>
+        <p:spPr>
+          <a:xfrm flipV="1">
+            <a:off x="1975449" y="2699106"/>
+            <a:ext cx="6724810" cy="856017"/>
+          </a:xfrm>
+          <a:prstGeom prst="straightConnector1">
+            <a:avLst/>
+          </a:prstGeom>
+          <a:ln w="57150">
+            <a:solidFill>
+              <a:schemeClr val="accent4">
+                <a:lumMod val="60000"/>
+                <a:lumOff val="40000"/>
+              </a:schemeClr>
+            </a:solidFill>
+            <a:tailEnd type="triangle"/>
+          </a:ln>
+        </p:spPr>
+        <p:style>
+          <a:lnRef idx="1">
+            <a:schemeClr val="accent1"/>
+          </a:lnRef>
+          <a:fillRef idx="0">
+            <a:schemeClr val="accent1"/>
+          </a:fillRef>
+          <a:effectRef idx="0">
+            <a:schemeClr val="accent1"/>
+          </a:effectRef>
+          <a:fontRef idx="minor">
+            <a:schemeClr val="tx1"/>
+          </a:fontRef>
+        </p:style>
+      </p:cxnSp>
+      <p:sp>
+        <p:nvSpPr>
+          <p:cNvPr id="18" name="文本框 17">
+            <a:extLst>
+              <a:ext uri="{FF2B5EF4-FFF2-40B4-BE49-F238E27FC236}">
+                <a16:creationId xmlns:a16="http://schemas.microsoft.com/office/drawing/2014/main" id="{4CF63E76-9F70-37C6-6FEC-06E56015ADCD}"/>
+              </a:ext>
+            </a:extLst>
+          </p:cNvPr>
+          <p:cNvSpPr txBox="1"/>
+          <p:nvPr/>
+        </p:nvSpPr>
+        <p:spPr>
+          <a:xfrm>
+            <a:off x="1293092" y="5691039"/>
+            <a:ext cx="6479308" cy="523220"/>
+          </a:xfrm>
+          <a:prstGeom prst="rect">
+            <a:avLst/>
+          </a:prstGeom>
+          <a:noFill/>
+        </p:spPr>
+        <p:txBody>
+          <a:bodyPr wrap="square">
+            <a:spAutoFit/>
+          </a:bodyPr>
+          <a:lstStyle/>
+          <a:p>
+            <a:r>
+              <a:rPr lang="en" altLang="zh-CN" sz="1400" dirty="0">
+                <a:solidFill>
+                  <a:srgbClr val="00B0F0"/>
+                </a:solidFill>
+                <a:latin typeface="Nunito" panose="020F0502020204030204" pitchFamily="34" charset="0"/>
+              </a:rPr>
+              <a:t>ref=”</a:t>
+            </a:r>
+            <a:r>
+              <a:rPr lang="en" altLang="zh-CN" sz="1400" dirty="0" err="1">
+                <a:solidFill>
+                  <a:srgbClr val="00B0F0"/>
+                </a:solidFill>
+                <a:latin typeface="Nunito" panose="020F0502020204030204" pitchFamily="34" charset="0"/>
+              </a:rPr>
+              <a:t>bookDao</a:t>
+            </a:r>
+            <a:r>
+              <a:rPr lang="en" altLang="zh-CN" sz="1400" dirty="0">
+                <a:solidFill>
+                  <a:srgbClr val="00B0F0"/>
+                </a:solidFill>
+                <a:latin typeface="Nunito" panose="020F0502020204030204" pitchFamily="34" charset="0"/>
+              </a:rPr>
+              <a:t>”</a:t>
+            </a:r>
+            <a:r>
+              <a:rPr lang="zh-CN" altLang="en-US" sz="1400" dirty="0">
+                <a:solidFill>
+                  <a:srgbClr val="00B0F0"/>
+                </a:solidFill>
+                <a:latin typeface="Nunito" panose="020F0502020204030204" pitchFamily="34" charset="0"/>
+              </a:rPr>
+              <a:t>中</a:t>
+            </a:r>
+            <a:r>
+              <a:rPr lang="en" altLang="zh-CN" sz="1400" dirty="0" err="1">
+                <a:solidFill>
+                  <a:srgbClr val="00B0F0"/>
+                </a:solidFill>
+                <a:latin typeface="Nunito" panose="020F0502020204030204" pitchFamily="34" charset="0"/>
+              </a:rPr>
+              <a:t>bookDao</a:t>
+            </a:r>
+            <a:r>
+              <a:rPr lang="zh-CN" altLang="en-US" sz="1400" dirty="0">
+                <a:solidFill>
+                  <a:srgbClr val="00B0F0"/>
+                </a:solidFill>
+                <a:latin typeface="Nunito" panose="020F0502020204030204" pitchFamily="34" charset="0"/>
+              </a:rPr>
+              <a:t>的作用是让</a:t>
+            </a:r>
+            <a:r>
+              <a:rPr lang="en" altLang="zh-CN" sz="1400" dirty="0">
+                <a:solidFill>
+                  <a:srgbClr val="00B0F0"/>
+                </a:solidFill>
+                <a:latin typeface="Nunito" panose="020F0502020204030204" pitchFamily="34" charset="0"/>
+              </a:rPr>
+              <a:t>Spring</a:t>
+            </a:r>
+            <a:r>
+              <a:rPr lang="zh-CN" altLang="en-US" sz="1400" dirty="0">
+                <a:solidFill>
+                  <a:srgbClr val="00B0F0"/>
+                </a:solidFill>
+                <a:latin typeface="Nunito" panose="020F0502020204030204" pitchFamily="34" charset="0"/>
+              </a:rPr>
+              <a:t>能在</a:t>
+            </a:r>
+            <a:r>
+              <a:rPr lang="en" altLang="zh-CN" sz="1400" dirty="0">
+                <a:solidFill>
+                  <a:srgbClr val="00B0F0"/>
+                </a:solidFill>
+                <a:latin typeface="Nunito" panose="020F0502020204030204" pitchFamily="34" charset="0"/>
+              </a:rPr>
+              <a:t>IOC</a:t>
+            </a:r>
+            <a:r>
+              <a:rPr lang="zh-CN" altLang="en-US" sz="1400" dirty="0">
+                <a:solidFill>
+                  <a:srgbClr val="00B0F0"/>
+                </a:solidFill>
+                <a:latin typeface="Nunito" panose="020F0502020204030204" pitchFamily="34" charset="0"/>
+              </a:rPr>
+              <a:t>容器中找到</a:t>
+            </a:r>
+            <a:r>
+              <a:rPr lang="en" altLang="zh-CN" sz="1400" dirty="0">
+                <a:solidFill>
+                  <a:srgbClr val="00B0F0"/>
+                </a:solidFill>
+                <a:latin typeface="Nunito" panose="020F0502020204030204" pitchFamily="34" charset="0"/>
+              </a:rPr>
+              <a:t>id</a:t>
+            </a:r>
+            <a:r>
+              <a:rPr lang="zh-CN" altLang="en-US" sz="1400" dirty="0">
+                <a:solidFill>
+                  <a:srgbClr val="00B0F0"/>
+                </a:solidFill>
+                <a:latin typeface="Nunito" panose="020F0502020204030204" pitchFamily="34" charset="0"/>
+              </a:rPr>
+              <a:t>为</a:t>
+            </a:r>
+            <a:r>
+              <a:rPr lang="en" altLang="zh-CN" sz="1400" dirty="0" err="1">
+                <a:solidFill>
+                  <a:srgbClr val="00B0F0"/>
+                </a:solidFill>
+                <a:latin typeface="Nunito" panose="020F0502020204030204" pitchFamily="34" charset="0"/>
+              </a:rPr>
+              <a:t>bookDao</a:t>
+            </a:r>
+            <a:r>
+              <a:rPr lang="zh-CN" altLang="en-US" sz="1400" dirty="0">
+                <a:solidFill>
+                  <a:srgbClr val="00B0F0"/>
+                </a:solidFill>
+                <a:latin typeface="Nunito" panose="020F0502020204030204" pitchFamily="34" charset="0"/>
+              </a:rPr>
+              <a:t>的</a:t>
+            </a:r>
+            <a:r>
+              <a:rPr lang="en" altLang="zh-CN" sz="1400" dirty="0">
+                <a:solidFill>
+                  <a:srgbClr val="00B0F0"/>
+                </a:solidFill>
+                <a:latin typeface="Nunito" panose="020F0502020204030204" pitchFamily="34" charset="0"/>
+              </a:rPr>
+              <a:t>Bean</a:t>
+            </a:r>
+            <a:r>
+              <a:rPr lang="zh-CN" altLang="en-US" sz="1400" dirty="0">
+                <a:solidFill>
+                  <a:srgbClr val="00B0F0"/>
+                </a:solidFill>
+                <a:latin typeface="Nunito" panose="020F0502020204030204" pitchFamily="34" charset="0"/>
+              </a:rPr>
+              <a:t>对象给</a:t>
+            </a:r>
+            <a:r>
+              <a:rPr lang="en" altLang="zh-CN" sz="1400" dirty="0" err="1">
+                <a:solidFill>
+                  <a:srgbClr val="00B0F0"/>
+                </a:solidFill>
+                <a:latin typeface="Nunito" panose="020F0502020204030204" pitchFamily="34" charset="0"/>
+              </a:rPr>
+              <a:t>bookService</a:t>
+            </a:r>
+            <a:r>
+              <a:rPr lang="zh-CN" altLang="en-US" sz="1400" dirty="0">
+                <a:solidFill>
+                  <a:srgbClr val="00B0F0"/>
+                </a:solidFill>
+                <a:latin typeface="Nunito" panose="020F0502020204030204" pitchFamily="34" charset="0"/>
+              </a:rPr>
+              <a:t>进行注入</a:t>
+            </a:r>
+          </a:p>
+        </p:txBody>
+      </p:sp>
+    </p:spTree>
+    <p:extLst>
+      <p:ext uri="{BB962C8B-B14F-4D97-AF65-F5344CB8AC3E}">
+        <p14:creationId xmlns:p14="http://schemas.microsoft.com/office/powerpoint/2010/main" val="2601115534"/>
+      </p:ext>
+    </p:extLst>
+  </p:cSld>
+  <p:clrMapOvr>
+    <a:masterClrMapping/>
+  </p:clrMapOvr>
+</p:sld>
+</file>
+
 <file path=ppt/slides/slide2.xml><?xml version="1.0" encoding="utf-8"?>
 <p:sld xmlns:a="http://schemas.openxmlformats.org/drawingml/2006/main" xmlns:r="http://schemas.openxmlformats.org/officeDocument/2006/relationships" xmlns:p="http://schemas.openxmlformats.org/presentationml/2006/main">
   <p:cSld>
